--- a/Module 5_Presentation.pptx
+++ b/Module 5_Presentation.pptx
@@ -4163,6 +4163,9 @@
           <a:prstGeom prst="rect">
             <a:avLst/>
           </a:prstGeom>
+          <a:ln>
+            <a:noFill/>
+          </a:ln>
         </p:spPr>
         <p:txBody>
           <a:bodyPr vert="horz" lIns="0" tIns="0" rIns="91440" bIns="0" rtlCol="0">
@@ -4343,7 +4346,7 @@
             </a:lvl9pPr>
           </a:lstStyle>
           <a:p>
-            <a:pPr>
+            <a:pPr marL="53975">
               <a:spcBef>
                 <a:spcPts val="0"/>
               </a:spcBef>
@@ -4359,7 +4362,7 @@
             </a:r>
           </a:p>
           <a:p>
-            <a:pPr marL="285750" indent="-285750">
+            <a:pPr marL="346075" indent="-230188">
               <a:spcBef>
                 <a:spcPts val="0"/>
               </a:spcBef>
@@ -4373,25 +4376,7 @@
                 </a:solidFill>
                 <a:latin typeface="Bell MT (Body)"/>
               </a:rPr>
-              <a:t>Can we predict who tweeted from Trump’s account based on the </a:t>
-            </a:r>
-            <a:r>
-              <a:rPr lang="en-US" u="sng" dirty="0">
-                <a:solidFill>
-                  <a:schemeClr val="tx1"/>
-                </a:solidFill>
-                <a:latin typeface="Bell MT (Body)"/>
-              </a:rPr>
-              <a:t>device</a:t>
-            </a:r>
-            <a:r>
-              <a:rPr lang="en-US" dirty="0">
-                <a:solidFill>
-                  <a:schemeClr val="tx1"/>
-                </a:solidFill>
-                <a:latin typeface="Bell MT (Body)"/>
-              </a:rPr>
-              <a:t>?</a:t>
+              <a:t>Can we build a classifier that can predict if a tweet was made by Trump?</a:t>
             </a:r>
           </a:p>
           <a:p>
@@ -4410,7 +4395,7 @@
             </a:endParaRPr>
           </a:p>
           <a:p>
-            <a:pPr>
+            <a:pPr marL="53975">
               <a:spcBef>
                 <a:spcPts val="0"/>
               </a:spcBef>
@@ -4435,7 +4420,7 @@
             </a:r>
           </a:p>
           <a:p>
-            <a:pPr>
+            <a:pPr marL="53975">
               <a:spcBef>
                 <a:spcPts val="0"/>
               </a:spcBef>
@@ -4451,7 +4436,7 @@
             </a:r>
           </a:p>
           <a:p>
-            <a:pPr marL="342900" indent="-342900">
+            <a:pPr marL="342900" indent="-227013">
               <a:spcBef>
                 <a:spcPts val="0"/>
               </a:spcBef>
@@ -4469,7 +4454,7 @@
             </a:r>
           </a:p>
           <a:p>
-            <a:pPr marL="342900" indent="-342900">
+            <a:pPr marL="342900" indent="-227013">
               <a:spcBef>
                 <a:spcPts val="0"/>
               </a:spcBef>
@@ -4506,6 +4491,7 @@
             </a:endParaRPr>
           </a:p>
           <a:p>
+            <a:pPr marL="53975"/>
             <a:r>
               <a:rPr lang="en-US" b="1" u="sng" dirty="0">
                 <a:solidFill>
@@ -4535,6 +4521,7 @@
             </a:r>
           </a:p>
           <a:p>
+            <a:pPr marL="53975"/>
             <a:r>
               <a:rPr lang="en-US" b="1" u="sng" dirty="0">
                 <a:solidFill>
@@ -4562,8 +4549,6 @@
               </a:rPr>
               <a:t>5,347 tweets (excludes retweets)</a:t>
             </a:r>
-          </a:p>
-          <a:p>
             <a:endParaRPr lang="en-US" b="1" dirty="0">
               <a:solidFill>
                 <a:schemeClr val="tx1"/>
@@ -5087,7 +5072,7 @@
           <a:solidFill>
             <a:schemeClr val="tx1"/>
           </a:solidFill>
-          <a:ln w="28575">
+          <a:ln w="12700">
             <a:solidFill>
               <a:schemeClr val="bg1"/>
             </a:solidFill>
@@ -5184,6 +5169,11 @@
             <a:off x="441959" y="1141596"/>
             <a:ext cx="7283769" cy="4276431"/>
           </a:xfrm>
+          <a:ln>
+            <a:solidFill>
+              <a:schemeClr val="bg1"/>
+            </a:solidFill>
+          </a:ln>
         </p:spPr>
       </p:pic>
       <p:cxnSp>
@@ -5243,8 +5233,8 @@
         </p:nvSpPr>
         <p:spPr>
           <a:xfrm>
-            <a:off x="424866" y="5670925"/>
-            <a:ext cx="11319078" cy="915768"/>
+            <a:off x="424866" y="5661005"/>
+            <a:ext cx="11319078" cy="925688"/>
           </a:xfrm>
           <a:prstGeom prst="rect">
             <a:avLst/>
@@ -6083,13 +6073,16 @@
         </p:blipFill>
         <p:spPr bwMode="auto">
           <a:xfrm>
-            <a:off x="7825498" y="1181130"/>
+            <a:off x="7836370" y="1181130"/>
             <a:ext cx="3918446" cy="2800329"/>
           </a:xfrm>
           <a:prstGeom prst="rect">
             <a:avLst/>
           </a:prstGeom>
           <a:noFill/>
+          <a:ln>
+            <a:noFill/>
+          </a:ln>
           <a:extLst>
             <a:ext uri="{909E8E84-426E-40DD-AFC4-6F175D3DCCD1}">
               <a14:hiddenFill xmlns:a14="http://schemas.microsoft.com/office/drawing/2010/main">
@@ -6154,23 +6147,7 @@
           <a:p>
             <a:r>
               <a:rPr lang="en-US" dirty="0"/>
-              <a:t>Natural </a:t>
-            </a:r>
-            <a:r>
-              <a:rPr lang="en-US" dirty="0">
-                <a:solidFill>
-                  <a:schemeClr val="tx1"/>
-                </a:solidFill>
-              </a:rPr>
-              <a:t>Language</a:t>
-            </a:r>
-            <a:r>
-              <a:rPr lang="en-US" dirty="0"/>
-              <a:t> Processing – </a:t>
-            </a:r>
-            <a:r>
-              <a:rPr lang="en-US" u="sng" dirty="0"/>
-              <a:t>Text Preprocessing and Topic Modeling</a:t>
+              <a:t>Text Preprocessing and Topic Modeling Results</a:t>
             </a:r>
           </a:p>
         </p:txBody>
@@ -6408,6 +6385,11 @@
           <a:prstGeom prst="rect">
             <a:avLst/>
           </a:prstGeom>
+          <a:ln w="12700">
+            <a:solidFill>
+              <a:schemeClr val="bg1"/>
+            </a:solidFill>
+          </a:ln>
         </p:spPr>
       </p:pic>
     </p:spTree>
@@ -6463,7 +6445,7 @@
           <a:solidFill>
             <a:schemeClr val="tx1"/>
           </a:solidFill>
-          <a:ln w="28575">
+          <a:ln w="12700">
             <a:solidFill>
               <a:schemeClr val="bg1"/>
             </a:solidFill>
@@ -6643,7 +6625,7 @@
         </p:blipFill>
         <p:spPr bwMode="auto">
           <a:xfrm>
-            <a:off x="8162900" y="1066337"/>
+            <a:off x="8162623" y="1091977"/>
             <a:ext cx="3581044" cy="2651350"/>
           </a:xfrm>
           <a:prstGeom prst="rect">
@@ -6847,7 +6829,7 @@
           <a:prstGeom prst="rect">
             <a:avLst/>
           </a:prstGeom>
-          <a:ln w="28575">
+          <a:ln w="12700">
             <a:solidFill>
               <a:schemeClr val="bg1"/>
             </a:solidFill>
@@ -6882,7 +6864,7 @@
           <a:prstGeom prst="rect">
             <a:avLst/>
           </a:prstGeom>
-          <a:ln w="28575">
+          <a:ln w="12700">
             <a:solidFill>
               <a:schemeClr val="bg1"/>
             </a:solidFill>
@@ -7420,7 +7402,7 @@
           <a:solidFill>
             <a:schemeClr val="tx1"/>
           </a:solidFill>
-          <a:ln w="28575">
+          <a:ln w="19050">
             <a:solidFill>
               <a:schemeClr val="bg1"/>
             </a:solidFill>
@@ -7589,7 +7571,7 @@
                 </a:solidFill>
                 <a:latin typeface="Bell MT (Body)"/>
               </a:rPr>
-              <a:t>8 features derived from data set that took into account time and contents of the tweet</a:t>
+              <a:t>8 predictor features derived from data set that took into account time and contents of the tweet</a:t>
             </a:r>
           </a:p>
           <a:p>
@@ -7816,7 +7798,7 @@
           <a:prstGeom prst="rect">
             <a:avLst/>
           </a:prstGeom>
-          <a:ln w="28575">
+          <a:ln w="12700">
             <a:solidFill>
               <a:schemeClr val="bg1"/>
             </a:solidFill>
@@ -8205,7 +8187,22 @@
                 </a:solidFill>
                 <a:latin typeface="Bell MT (Body)"/>
               </a:rPr>
-              <a:t>What kind of tweets garner the most engagement?</a:t>
+              <a:t>Create Regression models, for example:</a:t>
+            </a:r>
+          </a:p>
+          <a:p>
+            <a:pPr marL="792900" lvl="1" indent="-227013">
+              <a:buFont typeface="Arial" panose="020B0604020202020204" pitchFamily="34" charset="0"/>
+              <a:buChar char="•"/>
+            </a:pPr>
+            <a:r>
+              <a:rPr lang="en-US" sz="1600" dirty="0">
+                <a:solidFill>
+                  <a:schemeClr val="tx1"/>
+                </a:solidFill>
+                <a:latin typeface="Bell MT (Body)"/>
+              </a:rPr>
+              <a:t>What attributes of a tweet will garner the most engagement?</a:t>
             </a:r>
           </a:p>
           <a:p>
@@ -8220,7 +8217,7 @@
                 </a:solidFill>
                 <a:latin typeface="Bell MT (Body)"/>
               </a:rPr>
-              <a:t>Create other classification models, for example:</a:t>
+              <a:t>Create other Classification models, for example:</a:t>
             </a:r>
           </a:p>
           <a:p>
@@ -8639,10 +8636,10 @@
       </p:cxnSp>
       <p:pic>
         <p:nvPicPr>
-          <p:cNvPr id="9" name="Picture 8">
-            <a:extLst>
-              <a:ext uri="{FF2B5EF4-FFF2-40B4-BE49-F238E27FC236}">
-                <a16:creationId xmlns:a16="http://schemas.microsoft.com/office/drawing/2014/main" id="{5C3E5F9B-2973-4AAE-9BFE-F34D74818B7D}"/>
+          <p:cNvPr id="8" name="Picture 7">
+            <a:extLst>
+              <a:ext uri="{FF2B5EF4-FFF2-40B4-BE49-F238E27FC236}">
+                <a16:creationId xmlns:a16="http://schemas.microsoft.com/office/drawing/2014/main" id="{C39E5135-F4D7-4233-8B5A-2CB1B6BDEBC1}"/>
               </a:ext>
             </a:extLst>
           </p:cNvPr>
@@ -8659,8 +8656,8 @@
         </p:blipFill>
         <p:spPr>
           <a:xfrm>
-            <a:off x="441960" y="1083980"/>
-            <a:ext cx="5800725" cy="3067050"/>
+            <a:off x="7720578" y="1152219"/>
+            <a:ext cx="4023366" cy="3655816"/>
           </a:xfrm>
           <a:prstGeom prst="rect">
             <a:avLst/>
@@ -8694,7 +8691,7 @@
         </p:blipFill>
         <p:spPr>
           <a:xfrm>
-            <a:off x="3563112" y="3111202"/>
+            <a:off x="441960" y="2980127"/>
             <a:ext cx="7775448" cy="2806937"/>
           </a:xfrm>
           <a:prstGeom prst="rect">
@@ -8808,10 +8805,10 @@
       </p:cxnSp>
       <p:pic>
         <p:nvPicPr>
-          <p:cNvPr id="6" name="Picture 5">
-            <a:extLst>
-              <a:ext uri="{FF2B5EF4-FFF2-40B4-BE49-F238E27FC236}">
-                <a16:creationId xmlns:a16="http://schemas.microsoft.com/office/drawing/2014/main" id="{6849E386-CEC3-471F-8519-DABC4A206316}"/>
+          <p:cNvPr id="12" name="Picture 11">
+            <a:extLst>
+              <a:ext uri="{FF2B5EF4-FFF2-40B4-BE49-F238E27FC236}">
+                <a16:creationId xmlns:a16="http://schemas.microsoft.com/office/drawing/2014/main" id="{38394351-80E8-43E9-ABF6-44BD2ECBD4C8}"/>
               </a:ext>
             </a:extLst>
           </p:cNvPr>
@@ -8828,8 +8825,8 @@
         </p:blipFill>
         <p:spPr>
           <a:xfrm>
-            <a:off x="6831898" y="1161097"/>
-            <a:ext cx="4023366" cy="3655816"/>
+            <a:off x="441960" y="1161097"/>
+            <a:ext cx="5004816" cy="5538471"/>
           </a:xfrm>
           <a:prstGeom prst="rect">
             <a:avLst/>
@@ -8843,10 +8840,10 @@
       </p:pic>
       <p:pic>
         <p:nvPicPr>
-          <p:cNvPr id="12" name="Picture 11">
-            <a:extLst>
-              <a:ext uri="{FF2B5EF4-FFF2-40B4-BE49-F238E27FC236}">
-                <a16:creationId xmlns:a16="http://schemas.microsoft.com/office/drawing/2014/main" id="{38394351-80E8-43E9-ABF6-44BD2ECBD4C8}"/>
+          <p:cNvPr id="14" name="Picture 13">
+            <a:extLst>
+              <a:ext uri="{FF2B5EF4-FFF2-40B4-BE49-F238E27FC236}">
+                <a16:creationId xmlns:a16="http://schemas.microsoft.com/office/drawing/2014/main" id="{A48728A7-31A3-4034-B49A-5A522BF7B049}"/>
               </a:ext>
             </a:extLst>
           </p:cNvPr>
@@ -8863,8 +8860,8 @@
         </p:blipFill>
         <p:spPr>
           <a:xfrm>
-            <a:off x="441960" y="1161097"/>
-            <a:ext cx="5004816" cy="5538471"/>
+            <a:off x="5943219" y="5141524"/>
+            <a:ext cx="5800725" cy="1556650"/>
           </a:xfrm>
           <a:prstGeom prst="rect">
             <a:avLst/>
@@ -8878,10 +8875,10 @@
       </p:pic>
       <p:pic>
         <p:nvPicPr>
-          <p:cNvPr id="14" name="Picture 13">
-            <a:extLst>
-              <a:ext uri="{FF2B5EF4-FFF2-40B4-BE49-F238E27FC236}">
-                <a16:creationId xmlns:a16="http://schemas.microsoft.com/office/drawing/2014/main" id="{A48728A7-31A3-4034-B49A-5A522BF7B049}"/>
+          <p:cNvPr id="8" name="Picture 7">
+            <a:extLst>
+              <a:ext uri="{FF2B5EF4-FFF2-40B4-BE49-F238E27FC236}">
+                <a16:creationId xmlns:a16="http://schemas.microsoft.com/office/drawing/2014/main" id="{5AD497D7-86BE-4689-8767-770B77C72FF2}"/>
               </a:ext>
             </a:extLst>
           </p:cNvPr>
@@ -8898,8 +8895,8 @@
         </p:blipFill>
         <p:spPr>
           <a:xfrm>
-            <a:off x="5943219" y="5141524"/>
-            <a:ext cx="5800725" cy="1556650"/>
+            <a:off x="6062281" y="1161097"/>
+            <a:ext cx="5562600" cy="3771900"/>
           </a:xfrm>
           <a:prstGeom prst="rect">
             <a:avLst/>
